--- a/AI Waste Sorting System_v2.pptx
+++ b/AI Waste Sorting System_v2.pptx
@@ -13104,7 +13104,13 @@
           <a:bodyPr/>
           <a:lstStyle/>
           <a:p>
-            <a:endParaRPr lang="en-US"/>
+            <a:r>
+              <a:rPr lang="en-US" dirty="0">
+                <a:hlinkClick r:id="rId2"/>
+              </a:rPr>
+              <a:t>https://youtu.be/RBGhjd9qM_o</a:t>
+            </a:r>
+            <a:endParaRPr lang="en-US" dirty="0"/>
           </a:p>
         </p:txBody>
       </p:sp>
